--- a/ppt/PythonMath08-FFT.pptx
+++ b/ppt/PythonMath08-FFT.pptx
@@ -5,15 +5,16 @@
     <p:sldMasterId id="2147483653" r:id="rId1"/>
   </p:sldMasterIdLst>
   <p:notesMasterIdLst>
-    <p:notesMasterId r:id="rId5"/>
+    <p:notesMasterId r:id="rId6"/>
   </p:notesMasterIdLst>
   <p:handoutMasterIdLst>
-    <p:handoutMasterId r:id="rId6"/>
+    <p:handoutMasterId r:id="rId7"/>
   </p:handoutMasterIdLst>
   <p:sldIdLst>
     <p:sldId id="264" r:id="rId2"/>
     <p:sldId id="274" r:id="rId3"/>
-    <p:sldId id="273" r:id="rId4"/>
+    <p:sldId id="275" r:id="rId4"/>
+    <p:sldId id="273" r:id="rId5"/>
   </p:sldIdLst>
   <p:sldSz cx="9144000" cy="6858000" type="screen4x3"/>
   <p:notesSz cx="6648450" cy="9782175"/>
@@ -3691,11 +3692,7 @@
             <a:pPr eaLnBrk="1" hangingPunct="1"/>
             <a:r>
               <a:rPr lang="fr-FR" altLang="fr-FR" smtClean="0"/>
-              <a:t>Chapitre </a:t>
-            </a:r>
-            <a:r>
-              <a:rPr lang="fr-FR" altLang="fr-FR" smtClean="0"/>
-              <a:t>8</a:t>
+              <a:t>Chapitre 8</a:t>
             </a:r>
             <a:endParaRPr lang="fr-FR" altLang="fr-FR" dirty="0" smtClean="0"/>
           </a:p>
@@ -3918,6 +3915,191 @@
 </file>
 
 <file path=ppt/slides/slide3.xml><?xml version="1.0" encoding="utf-8"?>
+<p:sld xmlns:a="http://schemas.openxmlformats.org/drawingml/2006/main" xmlns:r="http://schemas.openxmlformats.org/officeDocument/2006/relationships" xmlns:p="http://schemas.openxmlformats.org/presentationml/2006/main">
+  <p:cSld>
+    <p:spTree>
+      <p:nvGrpSpPr>
+        <p:cNvPr id="1" name=""/>
+        <p:cNvGrpSpPr/>
+        <p:nvPr/>
+      </p:nvGrpSpPr>
+      <p:grpSpPr>
+        <a:xfrm>
+          <a:off x="0" y="0"/>
+          <a:ext cx="0" cy="0"/>
+          <a:chOff x="0" y="0"/>
+          <a:chExt cx="0" cy="0"/>
+        </a:xfrm>
+      </p:grpSpPr>
+      <p:sp>
+        <p:nvSpPr>
+          <p:cNvPr id="2" name="Titre 1"/>
+          <p:cNvSpPr>
+            <a:spLocks noGrp="1"/>
+          </p:cNvSpPr>
+          <p:nvPr>
+            <p:ph type="title"/>
+          </p:nvPr>
+        </p:nvSpPr>
+        <p:spPr/>
+        <p:txBody>
+          <a:bodyPr/>
+          <a:lstStyle/>
+          <a:p>
+            <a:r>
+              <a:rPr lang="fr-FR" dirty="0" smtClean="0"/>
+              <a:t>Les nombres complexes</a:t>
+            </a:r>
+            <a:endParaRPr lang="fr-FR" dirty="0"/>
+          </a:p>
+        </p:txBody>
+      </p:sp>
+      <p:sp>
+        <p:nvSpPr>
+          <p:cNvPr id="3" name="Espace réservé du contenu 2"/>
+          <p:cNvSpPr>
+            <a:spLocks noGrp="1"/>
+          </p:cNvSpPr>
+          <p:nvPr>
+            <p:ph idx="1"/>
+          </p:nvPr>
+        </p:nvSpPr>
+        <p:spPr/>
+        <p:txBody>
+          <a:bodyPr/>
+          <a:lstStyle/>
+          <a:p>
+            <a:r>
+              <a:rPr lang="fr-FR" dirty="0" smtClean="0"/>
+              <a:t>Exemple</a:t>
+            </a:r>
+          </a:p>
+          <a:p>
+            <a:pPr lvl="1"/>
+            <a:r>
+              <a:rPr lang="fr-FR" dirty="0"/>
+              <a:t>x = </a:t>
+            </a:r>
+            <a:r>
+              <a:rPr lang="fr-FR" dirty="0" err="1"/>
+              <a:t>np.array</a:t>
+            </a:r>
+            <a:r>
+              <a:rPr lang="fr-FR" dirty="0"/>
+              <a:t>([[ 1.+0.j, 2.+0.j], [ 0.+0.j, 0.+0.j], [ 1.+1.j, 3.+0.j]]) </a:t>
+            </a:r>
+          </a:p>
+          <a:p>
+            <a:r>
+              <a:rPr lang="fr-FR" dirty="0" err="1" smtClean="0"/>
+              <a:t>Np.eig</a:t>
+            </a:r>
+            <a:endParaRPr lang="fr-FR" dirty="0" smtClean="0"/>
+          </a:p>
+          <a:p>
+            <a:pPr lvl="1"/>
+            <a:r>
+              <a:rPr lang="fr-FR" dirty="0"/>
+              <a:t># </a:t>
+            </a:r>
+            <a:r>
+              <a:rPr lang="fr-FR" dirty="0" err="1" smtClean="0"/>
+              <a:t>eigenvalues</a:t>
+            </a:r>
+            <a:r>
+              <a:rPr lang="fr-FR" dirty="0" smtClean="0"/>
+              <a:t>/</a:t>
+            </a:r>
+            <a:r>
+              <a:rPr lang="fr-FR" dirty="0" err="1" smtClean="0"/>
+              <a:t>eigenvectors</a:t>
+            </a:r>
+            <a:r>
+              <a:rPr lang="fr-FR" dirty="0" smtClean="0"/>
+              <a:t> </a:t>
+            </a:r>
+            <a:r>
+              <a:rPr lang="fr-FR" dirty="0"/>
+              <a:t>of matrix </a:t>
+            </a:r>
+            <a:endParaRPr lang="fr-FR" dirty="0" smtClean="0"/>
+          </a:p>
+          <a:p>
+            <a:pPr lvl="1"/>
+            <a:r>
+              <a:rPr lang="en-US" dirty="0"/>
+              <a:t>j = </a:t>
+            </a:r>
+            <a:r>
+              <a:rPr lang="en-US" dirty="0" err="1" smtClean="0"/>
+              <a:t>np.array</a:t>
+            </a:r>
+            <a:r>
+              <a:rPr lang="en-US" dirty="0"/>
+              <a:t>([[0.0, -1.0], [1.0, 0.0]]) </a:t>
+            </a:r>
+            <a:endParaRPr lang="en-US" dirty="0" smtClean="0"/>
+          </a:p>
+          <a:p>
+            <a:pPr lvl="1"/>
+            <a:r>
+              <a:rPr lang="en-US" dirty="0"/>
+              <a:t>np. </a:t>
+            </a:r>
+            <a:r>
+              <a:rPr lang="en-US" dirty="0" err="1"/>
+              <a:t>eig</a:t>
+            </a:r>
+            <a:r>
+              <a:rPr lang="en-US" dirty="0"/>
+              <a:t>(j</a:t>
+            </a:r>
+            <a:r>
+              <a:rPr lang="en-US" dirty="0" smtClean="0"/>
+              <a:t>)</a:t>
+            </a:r>
+          </a:p>
+          <a:p>
+            <a:pPr lvl="1"/>
+            <a:r>
+              <a:rPr lang="en-US" dirty="0"/>
+              <a:t>(array([ 0.+1.j, 0.-1.j]), </a:t>
+            </a:r>
+            <a:br>
+              <a:rPr lang="en-US" dirty="0"/>
+            </a:br>
+            <a:r>
+              <a:rPr lang="en-US" dirty="0"/>
+              <a:t> array([[ 0.70710678+0.j, 0.70710678+0.j], </a:t>
+            </a:r>
+            <a:br>
+              <a:rPr lang="en-US" dirty="0"/>
+            </a:br>
+            <a:r>
+              <a:rPr lang="en-US" dirty="0"/>
+              <a:t>        [ 0.00000000-0.70710678j, 0.00000000+0.70710678j]])) </a:t>
+            </a:r>
+            <a:br>
+              <a:rPr lang="en-US" dirty="0"/>
+            </a:br>
+            <a:endParaRPr lang="fr-FR" dirty="0"/>
+          </a:p>
+        </p:txBody>
+      </p:sp>
+    </p:spTree>
+    <p:extLst>
+      <p:ext uri="{BB962C8B-B14F-4D97-AF65-F5344CB8AC3E}">
+        <p14:creationId xmlns:p14="http://schemas.microsoft.com/office/powerpoint/2010/main" val="3202361860"/>
+      </p:ext>
+    </p:extLst>
+  </p:cSld>
+  <p:clrMapOvr>
+    <a:masterClrMapping/>
+  </p:clrMapOvr>
+</p:sld>
+</file>
+
+<file path=ppt/slides/slide4.xml><?xml version="1.0" encoding="utf-8"?>
 <p:sld xmlns:a="http://schemas.openxmlformats.org/drawingml/2006/main" xmlns:r="http://schemas.openxmlformats.org/officeDocument/2006/relationships" xmlns:p="http://schemas.openxmlformats.org/presentationml/2006/main">
   <p:cSld>
     <p:spTree>

--- a/ppt/PythonMath08-FFT.pptx
+++ b/ppt/PythonMath08-FFT.pptx
@@ -5,16 +5,17 @@
     <p:sldMasterId id="2147483653" r:id="rId1"/>
   </p:sldMasterIdLst>
   <p:notesMasterIdLst>
-    <p:notesMasterId r:id="rId6"/>
+    <p:notesMasterId r:id="rId7"/>
   </p:notesMasterIdLst>
   <p:handoutMasterIdLst>
-    <p:handoutMasterId r:id="rId7"/>
+    <p:handoutMasterId r:id="rId8"/>
   </p:handoutMasterIdLst>
   <p:sldIdLst>
     <p:sldId id="264" r:id="rId2"/>
-    <p:sldId id="274" r:id="rId3"/>
-    <p:sldId id="275" r:id="rId4"/>
-    <p:sldId id="273" r:id="rId5"/>
+    <p:sldId id="276" r:id="rId3"/>
+    <p:sldId id="274" r:id="rId4"/>
+    <p:sldId id="275" r:id="rId5"/>
+    <p:sldId id="273" r:id="rId6"/>
   </p:sldIdLst>
   <p:sldSz cx="9144000" cy="6858000" type="screen4x3"/>
   <p:notesSz cx="6648450" cy="9782175"/>
@@ -607,35 +608,35 @@
           <a:p>
             <a:pPr lvl="0"/>
             <a:r>
-              <a:rPr lang="fr-FR" noProof="0" smtClean="0"/>
+              <a:rPr lang="fr-FR" noProof="0"/>
               <a:t>Cliquez pour modifier les styles du texte du masque</a:t>
             </a:r>
           </a:p>
           <a:p>
             <a:pPr lvl="1"/>
             <a:r>
-              <a:rPr lang="fr-FR" noProof="0" smtClean="0"/>
+              <a:rPr lang="fr-FR" noProof="0"/>
               <a:t>Deuxième niveau</a:t>
             </a:r>
           </a:p>
           <a:p>
             <a:pPr lvl="2"/>
             <a:r>
-              <a:rPr lang="fr-FR" noProof="0" smtClean="0"/>
+              <a:rPr lang="fr-FR" noProof="0"/>
               <a:t>Troisième niveau</a:t>
             </a:r>
           </a:p>
           <a:p>
             <a:pPr lvl="3"/>
             <a:r>
-              <a:rPr lang="fr-FR" noProof="0" smtClean="0"/>
+              <a:rPr lang="fr-FR" noProof="0"/>
               <a:t>Quatrième niveau</a:t>
             </a:r>
           </a:p>
           <a:p>
             <a:pPr lvl="4"/>
             <a:r>
-              <a:rPr lang="fr-FR" noProof="0" smtClean="0"/>
+              <a:rPr lang="fr-FR" noProof="0"/>
               <a:t>Cinquième niveau</a:t>
             </a:r>
           </a:p>
@@ -923,10 +924,9 @@
           <a:lstStyle/>
           <a:p>
             <a:r>
-              <a:rPr lang="fr-FR" smtClean="0"/>
+              <a:rPr lang="fr-FR"/>
               <a:t>Cliquez pour modifier le style du titre</a:t>
             </a:r>
-            <a:endParaRPr lang="fr-FR"/>
           </a:p>
         </p:txBody>
       </p:sp>
@@ -988,10 +988,9 @@
           </a:lstStyle>
           <a:p>
             <a:r>
-              <a:rPr lang="fr-FR" smtClean="0"/>
+              <a:rPr lang="fr-FR"/>
               <a:t>Cliquez pour modifier le style des sous-titres du masque</a:t>
             </a:r>
-            <a:endParaRPr lang="fr-FR"/>
           </a:p>
         </p:txBody>
       </p:sp>
@@ -1046,10 +1045,9 @@
           <a:lstStyle/>
           <a:p>
             <a:r>
-              <a:rPr lang="fr-FR" smtClean="0"/>
+              <a:rPr lang="fr-FR"/>
               <a:t>Cliquez pour modifier le style du titre</a:t>
             </a:r>
-            <a:endParaRPr lang="fr-FR"/>
           </a:p>
         </p:txBody>
       </p:sp>
@@ -1075,38 +1073,37 @@
           <a:p>
             <a:pPr lvl="0"/>
             <a:r>
-              <a:rPr lang="fr-FR" smtClean="0"/>
+              <a:rPr lang="fr-FR"/>
               <a:t>Cliquez pour modifier les styles du texte du masque</a:t>
             </a:r>
           </a:p>
           <a:p>
             <a:pPr lvl="1"/>
             <a:r>
-              <a:rPr lang="fr-FR" smtClean="0"/>
+              <a:rPr lang="fr-FR"/>
               <a:t>Deuxième niveau</a:t>
             </a:r>
           </a:p>
           <a:p>
             <a:pPr lvl="2"/>
             <a:r>
-              <a:rPr lang="fr-FR" smtClean="0"/>
+              <a:rPr lang="fr-FR"/>
               <a:t>Troisième niveau</a:t>
             </a:r>
           </a:p>
           <a:p>
             <a:pPr lvl="3"/>
             <a:r>
-              <a:rPr lang="fr-FR" smtClean="0"/>
+              <a:rPr lang="fr-FR"/>
               <a:t>Quatrième niveau</a:t>
             </a:r>
           </a:p>
           <a:p>
             <a:pPr lvl="4"/>
             <a:r>
-              <a:rPr lang="fr-FR" smtClean="0"/>
+              <a:rPr lang="fr-FR"/>
               <a:t>Cinquième niveau</a:t>
             </a:r>
-            <a:endParaRPr lang="fr-FR"/>
           </a:p>
         </p:txBody>
       </p:sp>
@@ -1165,10 +1162,9 @@
           </a:lstStyle>
           <a:p>
             <a:r>
-              <a:rPr lang="fr-FR" dirty="0" smtClean="0"/>
+              <a:rPr lang="fr-FR" dirty="0"/>
               <a:t>Cliquez pour modifier le style du titre</a:t>
             </a:r>
-            <a:endParaRPr lang="fr-FR" dirty="0"/>
           </a:p>
         </p:txBody>
       </p:sp>
@@ -1194,38 +1190,37 @@
           <a:p>
             <a:pPr lvl="0"/>
             <a:r>
-              <a:rPr lang="fr-FR" dirty="0" smtClean="0"/>
+              <a:rPr lang="fr-FR" dirty="0"/>
               <a:t>Cliquez pour modifier les styles du texte du masque</a:t>
             </a:r>
           </a:p>
           <a:p>
             <a:pPr lvl="1"/>
             <a:r>
-              <a:rPr lang="fr-FR" dirty="0" smtClean="0"/>
+              <a:rPr lang="fr-FR" dirty="0"/>
               <a:t>Deuxième niveau</a:t>
             </a:r>
           </a:p>
           <a:p>
             <a:pPr lvl="2"/>
             <a:r>
-              <a:rPr lang="fr-FR" dirty="0" smtClean="0"/>
+              <a:rPr lang="fr-FR" dirty="0"/>
               <a:t>Troisième niveau</a:t>
             </a:r>
           </a:p>
           <a:p>
             <a:pPr lvl="3"/>
             <a:r>
-              <a:rPr lang="fr-FR" dirty="0" smtClean="0"/>
+              <a:rPr lang="fr-FR" dirty="0"/>
               <a:t>Quatrième niveau</a:t>
             </a:r>
           </a:p>
           <a:p>
             <a:pPr lvl="4"/>
             <a:r>
-              <a:rPr lang="fr-FR" dirty="0" smtClean="0"/>
+              <a:rPr lang="fr-FR" dirty="0"/>
               <a:t>Cinquième niveau</a:t>
             </a:r>
-            <a:endParaRPr lang="fr-FR" dirty="0"/>
           </a:p>
         </p:txBody>
       </p:sp>
@@ -1275,10 +1270,9 @@
           <a:lstStyle/>
           <a:p>
             <a:r>
-              <a:rPr lang="fr-FR" smtClean="0"/>
+              <a:rPr lang="fr-FR"/>
               <a:t>Cliquez pour modifier le style du titre</a:t>
             </a:r>
-            <a:endParaRPr lang="fr-FR"/>
           </a:p>
         </p:txBody>
       </p:sp>
@@ -1332,38 +1326,37 @@
           <a:p>
             <a:pPr lvl="0"/>
             <a:r>
-              <a:rPr lang="fr-FR" smtClean="0"/>
+              <a:rPr lang="fr-FR"/>
               <a:t>Cliquez pour modifier les styles du texte du masque</a:t>
             </a:r>
           </a:p>
           <a:p>
             <a:pPr lvl="1"/>
             <a:r>
-              <a:rPr lang="fr-FR" smtClean="0"/>
+              <a:rPr lang="fr-FR"/>
               <a:t>Deuxième niveau</a:t>
             </a:r>
           </a:p>
           <a:p>
             <a:pPr lvl="2"/>
             <a:r>
-              <a:rPr lang="fr-FR" smtClean="0"/>
+              <a:rPr lang="fr-FR"/>
               <a:t>Troisième niveau</a:t>
             </a:r>
           </a:p>
           <a:p>
             <a:pPr lvl="3"/>
             <a:r>
-              <a:rPr lang="fr-FR" smtClean="0"/>
+              <a:rPr lang="fr-FR"/>
               <a:t>Quatrième niveau</a:t>
             </a:r>
           </a:p>
           <a:p>
             <a:pPr lvl="4"/>
             <a:r>
-              <a:rPr lang="fr-FR" smtClean="0"/>
+              <a:rPr lang="fr-FR"/>
               <a:t>Cinquième niveau</a:t>
             </a:r>
-            <a:endParaRPr lang="fr-FR"/>
           </a:p>
         </p:txBody>
       </p:sp>
@@ -1417,38 +1410,37 @@
           <a:p>
             <a:pPr lvl="0"/>
             <a:r>
-              <a:rPr lang="fr-FR" smtClean="0"/>
+              <a:rPr lang="fr-FR"/>
               <a:t>Cliquez pour modifier les styles du texte du masque</a:t>
             </a:r>
           </a:p>
           <a:p>
             <a:pPr lvl="1"/>
             <a:r>
-              <a:rPr lang="fr-FR" smtClean="0"/>
+              <a:rPr lang="fr-FR"/>
               <a:t>Deuxième niveau</a:t>
             </a:r>
           </a:p>
           <a:p>
             <a:pPr lvl="2"/>
             <a:r>
-              <a:rPr lang="fr-FR" smtClean="0"/>
+              <a:rPr lang="fr-FR"/>
               <a:t>Troisième niveau</a:t>
             </a:r>
           </a:p>
           <a:p>
             <a:pPr lvl="3"/>
             <a:r>
-              <a:rPr lang="fr-FR" smtClean="0"/>
+              <a:rPr lang="fr-FR"/>
               <a:t>Quatrième niveau</a:t>
             </a:r>
           </a:p>
           <a:p>
             <a:pPr lvl="4"/>
             <a:r>
-              <a:rPr lang="fr-FR" smtClean="0"/>
+              <a:rPr lang="fr-FR"/>
               <a:t>Cinquième niveau</a:t>
             </a:r>
-            <a:endParaRPr lang="fr-FR"/>
           </a:p>
         </p:txBody>
       </p:sp>
@@ -1507,10 +1499,9 @@
           </a:lstStyle>
           <a:p>
             <a:r>
-              <a:rPr lang="fr-FR" smtClean="0"/>
+              <a:rPr lang="fr-FR"/>
               <a:t>Cliquez pour modifier le style du titre</a:t>
             </a:r>
-            <a:endParaRPr lang="fr-FR"/>
           </a:p>
         </p:txBody>
       </p:sp>
@@ -1573,7 +1564,7 @@
           <a:p>
             <a:pPr lvl="0"/>
             <a:r>
-              <a:rPr lang="fr-FR" smtClean="0"/>
+              <a:rPr lang="fr-FR"/>
               <a:t>Cliquez pour modifier les styles du texte du masque</a:t>
             </a:r>
           </a:p>
@@ -1629,38 +1620,37 @@
           <a:p>
             <a:pPr lvl="0"/>
             <a:r>
-              <a:rPr lang="fr-FR" smtClean="0"/>
+              <a:rPr lang="fr-FR"/>
               <a:t>Cliquez pour modifier les styles du texte du masque</a:t>
             </a:r>
           </a:p>
           <a:p>
             <a:pPr lvl="1"/>
             <a:r>
-              <a:rPr lang="fr-FR" smtClean="0"/>
+              <a:rPr lang="fr-FR"/>
               <a:t>Deuxième niveau</a:t>
             </a:r>
           </a:p>
           <a:p>
             <a:pPr lvl="2"/>
             <a:r>
-              <a:rPr lang="fr-FR" smtClean="0"/>
+              <a:rPr lang="fr-FR"/>
               <a:t>Troisième niveau</a:t>
             </a:r>
           </a:p>
           <a:p>
             <a:pPr lvl="3"/>
             <a:r>
-              <a:rPr lang="fr-FR" smtClean="0"/>
+              <a:rPr lang="fr-FR"/>
               <a:t>Quatrième niveau</a:t>
             </a:r>
           </a:p>
           <a:p>
             <a:pPr lvl="4"/>
             <a:r>
-              <a:rPr lang="fr-FR" smtClean="0"/>
+              <a:rPr lang="fr-FR"/>
               <a:t>Cinquième niveau</a:t>
             </a:r>
-            <a:endParaRPr lang="fr-FR"/>
           </a:p>
         </p:txBody>
       </p:sp>
@@ -1723,7 +1713,7 @@
           <a:p>
             <a:pPr lvl="0"/>
             <a:r>
-              <a:rPr lang="fr-FR" smtClean="0"/>
+              <a:rPr lang="fr-FR"/>
               <a:t>Cliquez pour modifier les styles du texte du masque</a:t>
             </a:r>
           </a:p>
@@ -1779,38 +1769,37 @@
           <a:p>
             <a:pPr lvl="0"/>
             <a:r>
-              <a:rPr lang="fr-FR" smtClean="0"/>
+              <a:rPr lang="fr-FR"/>
               <a:t>Cliquez pour modifier les styles du texte du masque</a:t>
             </a:r>
           </a:p>
           <a:p>
             <a:pPr lvl="1"/>
             <a:r>
-              <a:rPr lang="fr-FR" smtClean="0"/>
+              <a:rPr lang="fr-FR"/>
               <a:t>Deuxième niveau</a:t>
             </a:r>
           </a:p>
           <a:p>
             <a:pPr lvl="2"/>
             <a:r>
-              <a:rPr lang="fr-FR" smtClean="0"/>
+              <a:rPr lang="fr-FR"/>
               <a:t>Troisième niveau</a:t>
             </a:r>
           </a:p>
           <a:p>
             <a:pPr lvl="3"/>
             <a:r>
-              <a:rPr lang="fr-FR" smtClean="0"/>
+              <a:rPr lang="fr-FR"/>
               <a:t>Quatrième niveau</a:t>
             </a:r>
           </a:p>
           <a:p>
             <a:pPr lvl="4"/>
             <a:r>
-              <a:rPr lang="fr-FR" smtClean="0"/>
+              <a:rPr lang="fr-FR"/>
               <a:t>Cinquième niveau</a:t>
             </a:r>
-            <a:endParaRPr lang="fr-FR"/>
           </a:p>
         </p:txBody>
       </p:sp>
@@ -1860,10 +1849,9 @@
           <a:lstStyle/>
           <a:p>
             <a:r>
-              <a:rPr lang="fr-FR" smtClean="0"/>
+              <a:rPr lang="fr-FR"/>
               <a:t>Cliquez pour modifier le style du titre</a:t>
             </a:r>
-            <a:endParaRPr lang="fr-FR"/>
           </a:p>
         </p:txBody>
       </p:sp>
@@ -1952,10 +1940,9 @@
           </a:lstStyle>
           <a:p>
             <a:r>
-              <a:rPr lang="fr-FR" smtClean="0"/>
+              <a:rPr lang="fr-FR"/>
               <a:t>Cliquez pour modifier le style du titre</a:t>
             </a:r>
-            <a:endParaRPr lang="fr-FR"/>
           </a:p>
         </p:txBody>
       </p:sp>
@@ -2009,38 +1996,37 @@
           <a:p>
             <a:pPr lvl="0"/>
             <a:r>
-              <a:rPr lang="fr-FR" smtClean="0"/>
+              <a:rPr lang="fr-FR"/>
               <a:t>Cliquez pour modifier les styles du texte du masque</a:t>
             </a:r>
           </a:p>
           <a:p>
             <a:pPr lvl="1"/>
             <a:r>
-              <a:rPr lang="fr-FR" smtClean="0"/>
+              <a:rPr lang="fr-FR"/>
               <a:t>Deuxième niveau</a:t>
             </a:r>
           </a:p>
           <a:p>
             <a:pPr lvl="2"/>
             <a:r>
-              <a:rPr lang="fr-FR" smtClean="0"/>
+              <a:rPr lang="fr-FR"/>
               <a:t>Troisième niveau</a:t>
             </a:r>
           </a:p>
           <a:p>
             <a:pPr lvl="3"/>
             <a:r>
-              <a:rPr lang="fr-FR" smtClean="0"/>
+              <a:rPr lang="fr-FR"/>
               <a:t>Quatrième niveau</a:t>
             </a:r>
           </a:p>
           <a:p>
             <a:pPr lvl="4"/>
             <a:r>
-              <a:rPr lang="fr-FR" smtClean="0"/>
+              <a:rPr lang="fr-FR"/>
               <a:t>Cinquième niveau</a:t>
             </a:r>
-            <a:endParaRPr lang="fr-FR"/>
           </a:p>
         </p:txBody>
       </p:sp>
@@ -2103,7 +2089,7 @@
           <a:p>
             <a:pPr lvl="0"/>
             <a:r>
-              <a:rPr lang="fr-FR" smtClean="0"/>
+              <a:rPr lang="fr-FR"/>
               <a:t>Cliquez pour modifier les styles du texte du masque</a:t>
             </a:r>
           </a:p>
@@ -2164,10 +2150,9 @@
           </a:lstStyle>
           <a:p>
             <a:r>
-              <a:rPr lang="fr-FR" smtClean="0"/>
+              <a:rPr lang="fr-FR"/>
               <a:t>Cliquez pour modifier le style du titre</a:t>
             </a:r>
-            <a:endParaRPr lang="fr-FR"/>
           </a:p>
         </p:txBody>
       </p:sp>
@@ -2229,7 +2214,7 @@
           </a:lstStyle>
           <a:p>
             <a:pPr lvl="0"/>
-            <a:endParaRPr lang="fr-FR" noProof="0" smtClean="0"/>
+            <a:endParaRPr lang="fr-FR" noProof="0"/>
           </a:p>
         </p:txBody>
       </p:sp>
@@ -2292,7 +2277,7 @@
           <a:p>
             <a:pPr lvl="0"/>
             <a:r>
-              <a:rPr lang="fr-FR" smtClean="0"/>
+              <a:rPr lang="fr-FR"/>
               <a:t>Cliquez pour modifier les styles du texte du masque</a:t>
             </a:r>
           </a:p>
@@ -2344,10 +2329,9 @@
           <a:lstStyle/>
           <a:p>
             <a:r>
-              <a:rPr lang="fr-FR" smtClean="0"/>
+              <a:rPr lang="fr-FR"/>
               <a:t>Cliquez pour modifier le style du titre</a:t>
             </a:r>
-            <a:endParaRPr lang="fr-FR"/>
           </a:p>
         </p:txBody>
       </p:sp>
@@ -2368,38 +2352,37 @@
           <a:p>
             <a:pPr lvl="0"/>
             <a:r>
-              <a:rPr lang="fr-FR" smtClean="0"/>
+              <a:rPr lang="fr-FR"/>
               <a:t>Cliquez pour modifier les styles du texte du masque</a:t>
             </a:r>
           </a:p>
           <a:p>
             <a:pPr lvl="1"/>
             <a:r>
-              <a:rPr lang="fr-FR" smtClean="0"/>
+              <a:rPr lang="fr-FR"/>
               <a:t>Deuxième niveau</a:t>
             </a:r>
           </a:p>
           <a:p>
             <a:pPr lvl="2"/>
             <a:r>
-              <a:rPr lang="fr-FR" smtClean="0"/>
+              <a:rPr lang="fr-FR"/>
               <a:t>Troisième niveau</a:t>
             </a:r>
           </a:p>
           <a:p>
             <a:pPr lvl="3"/>
             <a:r>
-              <a:rPr lang="fr-FR" smtClean="0"/>
+              <a:rPr lang="fr-FR"/>
               <a:t>Quatrième niveau</a:t>
             </a:r>
           </a:p>
           <a:p>
             <a:pPr lvl="4"/>
             <a:r>
-              <a:rPr lang="fr-FR" smtClean="0"/>
+              <a:rPr lang="fr-FR"/>
               <a:t>Cinquième niveau</a:t>
             </a:r>
-            <a:endParaRPr lang="fr-FR"/>
           </a:p>
         </p:txBody>
       </p:sp>
@@ -2580,7 +2563,7 @@
             <a:pPr eaLnBrk="1" hangingPunct="1">
               <a:defRPr/>
             </a:pPr>
-            <a:endParaRPr lang="fr-FR" altLang="fr-FR" smtClean="0"/>
+            <a:endParaRPr lang="fr-FR" altLang="fr-FR"/>
           </a:p>
         </p:txBody>
       </p:sp>
@@ -2734,7 +2717,7 @@
               <a:defRPr/>
             </a:pPr>
             <a:r>
-              <a:rPr lang="fr-FR" sz="1200" dirty="0" smtClean="0"/>
+              <a:rPr lang="fr-FR" sz="1200" dirty="0"/>
               <a:t>Page </a:t>
             </a:r>
             <a:fld id="{E218E9B1-FD08-4C80-902E-210BA2967D0D}" type="slidenum">
@@ -2747,7 +2730,7 @@
               </a:pPr>
               <a:t>‹N°›</a:t>
             </a:fld>
-            <a:endParaRPr lang="fr-FR" dirty="0" smtClean="0">
+            <a:endParaRPr lang="fr-FR" dirty="0">
               <a:latin typeface="Times New Roman" pitchFamily="18" charset="0"/>
             </a:endParaRPr>
           </a:p>
@@ -2903,10 +2886,10 @@
               <a:defRPr/>
             </a:pPr>
             <a:r>
-              <a:rPr lang="fr-FR" sz="1600" dirty="0" smtClean="0"/>
+              <a:rPr lang="fr-FR" sz="1600" dirty="0"/>
               <a:t>Python</a:t>
             </a:r>
-            <a:endParaRPr lang="fr-FR" dirty="0" smtClean="0">
+            <a:endParaRPr lang="fr-FR" dirty="0">
               <a:latin typeface="Times New Roman" pitchFamily="18" charset="0"/>
             </a:endParaRPr>
           </a:p>
@@ -2964,7 +2947,7 @@
           <a:p>
             <a:pPr lvl="0"/>
             <a:r>
-              <a:rPr lang="fr-FR" altLang="fr-FR" smtClean="0"/>
+              <a:rPr lang="fr-FR" altLang="fr-FR"/>
               <a:t>Cliquez pour modifier le style du titre du masque</a:t>
             </a:r>
           </a:p>
@@ -3022,35 +3005,35 @@
           <a:p>
             <a:pPr lvl="0"/>
             <a:r>
-              <a:rPr lang="fr-FR" altLang="fr-FR" smtClean="0"/>
+              <a:rPr lang="fr-FR" altLang="fr-FR"/>
               <a:t>Cliquez pour modifier les styles du texte du masque</a:t>
             </a:r>
           </a:p>
           <a:p>
             <a:pPr lvl="1"/>
             <a:r>
-              <a:rPr lang="fr-FR" altLang="fr-FR" smtClean="0"/>
+              <a:rPr lang="fr-FR" altLang="fr-FR"/>
               <a:t>Deuxième niveau</a:t>
             </a:r>
           </a:p>
           <a:p>
             <a:pPr lvl="2"/>
             <a:r>
-              <a:rPr lang="fr-FR" altLang="fr-FR" smtClean="0"/>
+              <a:rPr lang="fr-FR" altLang="fr-FR"/>
               <a:t>Troisième niveau</a:t>
             </a:r>
           </a:p>
           <a:p>
             <a:pPr lvl="3"/>
             <a:r>
-              <a:rPr lang="fr-FR" altLang="fr-FR" smtClean="0"/>
+              <a:rPr lang="fr-FR" altLang="fr-FR"/>
               <a:t>Quatrième niveau</a:t>
             </a:r>
           </a:p>
           <a:p>
             <a:pPr lvl="4"/>
             <a:r>
-              <a:rPr lang="fr-FR" altLang="fr-FR" smtClean="0"/>
+              <a:rPr lang="fr-FR" altLang="fr-FR"/>
               <a:t>Cinquième niveau</a:t>
             </a:r>
           </a:p>
@@ -3206,10 +3189,10 @@
               <a:defRPr/>
             </a:pPr>
             <a:r>
-              <a:rPr lang="fr-FR" sz="1200" smtClean="0"/>
+              <a:rPr lang="fr-FR" sz="1200"/>
               <a:t>© Cyril Vincent Conseil</a:t>
             </a:r>
-            <a:endParaRPr lang="fr-FR" smtClean="0">
+            <a:endParaRPr lang="fr-FR">
               <a:latin typeface="Times New Roman" pitchFamily="18" charset="0"/>
             </a:endParaRPr>
           </a:p>
@@ -3691,15 +3674,15 @@
           <a:p>
             <a:pPr eaLnBrk="1" hangingPunct="1"/>
             <a:r>
-              <a:rPr lang="fr-FR" altLang="fr-FR" smtClean="0"/>
+              <a:rPr lang="fr-FR" altLang="fr-FR"/>
               <a:t>Chapitre 8</a:t>
             </a:r>
-            <a:endParaRPr lang="fr-FR" altLang="fr-FR" dirty="0" smtClean="0"/>
+            <a:endParaRPr lang="fr-FR" altLang="fr-FR" dirty="0"/>
           </a:p>
           <a:p>
             <a:pPr eaLnBrk="1" hangingPunct="1"/>
             <a:r>
-              <a:rPr lang="fr-FR" altLang="fr-FR" dirty="0" smtClean="0"/>
+              <a:rPr lang="fr-FR" altLang="fr-FR" dirty="0"/>
               <a:t>Fourier</a:t>
             </a:r>
           </a:p>
@@ -3771,13 +3754,6 @@
   <p:clrMapOvr>
     <a:masterClrMapping/>
   </p:clrMapOvr>
-  <p:timing>
-    <p:tnLst>
-      <p:par>
-        <p:cTn id="1" dur="indefinite" restart="never" nodeType="tmRoot"/>
-      </p:par>
-    </p:tnLst>
-  </p:timing>
 </p:sld>
 </file>
 
@@ -3800,7 +3776,13 @@
       </p:grpSpPr>
       <p:sp>
         <p:nvSpPr>
-          <p:cNvPr id="2" name="Titre 1"/>
+          <p:cNvPr id="2" name="Titre 1">
+            <a:extLst>
+              <a:ext uri="{FF2B5EF4-FFF2-40B4-BE49-F238E27FC236}">
+                <a16:creationId xmlns:a16="http://schemas.microsoft.com/office/drawing/2014/main" id="{40B6042B-C80B-43AE-8C45-33B636E956F4}"/>
+              </a:ext>
+            </a:extLst>
+          </p:cNvPr>
           <p:cNvSpPr>
             <a:spLocks noGrp="1"/>
           </p:cNvSpPr>
@@ -3814,16 +3796,21 @@
           <a:lstStyle/>
           <a:p>
             <a:r>
-              <a:rPr lang="fr-FR" dirty="0" smtClean="0"/>
-              <a:t>Les nombres complexes</a:t>
-            </a:r>
-            <a:endParaRPr lang="fr-FR" dirty="0"/>
+              <a:rPr lang="fr-FR" dirty="0"/>
+              <a:t>Valeurs spéciales</a:t>
+            </a:r>
           </a:p>
         </p:txBody>
       </p:sp>
       <p:sp>
         <p:nvSpPr>
-          <p:cNvPr id="3" name="Espace réservé du contenu 2"/>
+          <p:cNvPr id="3" name="Espace réservé du contenu 2">
+            <a:extLst>
+              <a:ext uri="{FF2B5EF4-FFF2-40B4-BE49-F238E27FC236}">
+                <a16:creationId xmlns:a16="http://schemas.microsoft.com/office/drawing/2014/main" id="{E4119EC8-9BCF-4A5F-80AC-2FC40AE0CC26}"/>
+              </a:ext>
+            </a:extLst>
+          </p:cNvPr>
           <p:cNvSpPr>
             <a:spLocks noGrp="1"/>
           </p:cNvSpPr>
@@ -3837,59 +3824,36 @@
           <a:lstStyle/>
           <a:p>
             <a:r>
+              <a:rPr lang="fr-FR" dirty="0" err="1"/>
+              <a:t>np.pi</a:t>
+            </a:r>
+            <a:endParaRPr lang="fr-FR" dirty="0"/>
+          </a:p>
+          <a:p>
+            <a:r>
+              <a:rPr lang="fr-FR" dirty="0" err="1"/>
+              <a:t>np.e</a:t>
+            </a:r>
+            <a:endParaRPr lang="fr-FR" dirty="0"/>
+          </a:p>
+          <a:p>
+            <a:r>
               <a:rPr lang="fr-FR" dirty="0"/>
+              <a:t>np.inf et –nb.inf</a:t>
+            </a:r>
+          </a:p>
+          <a:p>
+            <a:r>
+              <a:rPr lang="fr-FR" dirty="0" err="1"/>
+              <a:t>np.nan</a:t>
+            </a:r>
+            <a:endParaRPr lang="fr-FR" dirty="0"/>
+          </a:p>
+          <a:p>
+            <a:r>
+              <a:rPr lang="fr-FR"/>
               <a:t>j</a:t>
             </a:r>
-            <a:r>
-              <a:rPr lang="fr-FR" dirty="0" smtClean="0"/>
-              <a:t>² = -1</a:t>
-            </a:r>
-          </a:p>
-          <a:p>
-            <a:r>
-              <a:rPr lang="fr-FR" dirty="0"/>
-              <a:t>x</a:t>
-            </a:r>
-            <a:r>
-              <a:rPr lang="fr-FR" dirty="0" smtClean="0"/>
-              <a:t> = 2j + 3</a:t>
-            </a:r>
-          </a:p>
-          <a:p>
-            <a:r>
-              <a:rPr lang="fr-FR" dirty="0" err="1"/>
-              <a:t>n</a:t>
-            </a:r>
-            <a:r>
-              <a:rPr lang="fr-FR" dirty="0" err="1" smtClean="0"/>
-              <a:t>p.real</a:t>
-            </a:r>
-            <a:r>
-              <a:rPr lang="fr-FR" dirty="0" smtClean="0"/>
-              <a:t>(x) donne 3</a:t>
-            </a:r>
-          </a:p>
-          <a:p>
-            <a:r>
-              <a:rPr lang="fr-FR" dirty="0" err="1"/>
-              <a:t>n</a:t>
-            </a:r>
-            <a:r>
-              <a:rPr lang="fr-FR" dirty="0" err="1" smtClean="0"/>
-              <a:t>p.imag</a:t>
-            </a:r>
-            <a:r>
-              <a:rPr lang="fr-FR" dirty="0" smtClean="0"/>
-              <a:t>(x) donne 2</a:t>
-            </a:r>
-          </a:p>
-          <a:p>
-            <a:r>
-              <a:rPr lang="fr-FR" dirty="0" smtClean="0"/>
-              <a:t>* et + ont été surchargés</a:t>
-            </a:r>
-          </a:p>
-          <a:p>
             <a:endParaRPr lang="fr-FR" dirty="0"/>
           </a:p>
         </p:txBody>
@@ -3897,20 +3861,13 @@
     </p:spTree>
     <p:extLst>
       <p:ext uri="{BB962C8B-B14F-4D97-AF65-F5344CB8AC3E}">
-        <p14:creationId xmlns:p14="http://schemas.microsoft.com/office/powerpoint/2010/main" val="590707514"/>
+        <p14:creationId xmlns:p14="http://schemas.microsoft.com/office/powerpoint/2010/main" val="1924310267"/>
       </p:ext>
     </p:extLst>
   </p:cSld>
   <p:clrMapOvr>
     <a:masterClrMapping/>
   </p:clrMapOvr>
-  <p:timing>
-    <p:tnLst>
-      <p:par>
-        <p:cTn id="1" dur="indefinite" restart="never" nodeType="tmRoot"/>
-      </p:par>
-    </p:tnLst>
-  </p:timing>
 </p:sld>
 </file>
 
@@ -3947,10 +3904,9 @@
           <a:lstStyle/>
           <a:p>
             <a:r>
-              <a:rPr lang="fr-FR" dirty="0" smtClean="0"/>
+              <a:rPr lang="fr-FR" dirty="0"/>
               <a:t>Les nombres complexes</a:t>
             </a:r>
-            <a:endParaRPr lang="fr-FR" dirty="0"/>
           </a:p>
         </p:txBody>
       </p:sp>
@@ -3970,118 +3926,43 @@
           <a:lstStyle/>
           <a:p>
             <a:r>
-              <a:rPr lang="fr-FR" dirty="0" smtClean="0"/>
-              <a:t>Exemple</a:t>
-            </a:r>
-          </a:p>
-          <a:p>
-            <a:pPr lvl="1"/>
-            <a:r>
               <a:rPr lang="fr-FR" dirty="0"/>
-              <a:t>x = </a:t>
-            </a:r>
+              <a:t>j² = -1</a:t>
+            </a:r>
+          </a:p>
+          <a:p>
+            <a:r>
+              <a:rPr lang="fr-FR" dirty="0"/>
+              <a:t>x = 2j + 3</a:t>
+            </a:r>
+          </a:p>
+          <a:p>
             <a:r>
               <a:rPr lang="fr-FR" dirty="0" err="1"/>
-              <a:t>np.array</a:t>
+              <a:t>np.real</a:t>
             </a:r>
             <a:r>
               <a:rPr lang="fr-FR" dirty="0"/>
-              <a:t>([[ 1.+0.j, 2.+0.j], [ 0.+0.j, 0.+0.j], [ 1.+1.j, 3.+0.j]]) </a:t>
-            </a:r>
-          </a:p>
-          <a:p>
-            <a:r>
-              <a:rPr lang="fr-FR" dirty="0" err="1" smtClean="0"/>
-              <a:t>Np.eig</a:t>
-            </a:r>
-            <a:endParaRPr lang="fr-FR" dirty="0" smtClean="0"/>
-          </a:p>
-          <a:p>
-            <a:pPr lvl="1"/>
+              <a:t>(x) donne 3</a:t>
+            </a:r>
+          </a:p>
+          <a:p>
+            <a:r>
+              <a:rPr lang="fr-FR" dirty="0" err="1"/>
+              <a:t>np.imag</a:t>
+            </a:r>
             <a:r>
               <a:rPr lang="fr-FR" dirty="0"/>
-              <a:t># </a:t>
-            </a:r>
-            <a:r>
-              <a:rPr lang="fr-FR" dirty="0" err="1" smtClean="0"/>
-              <a:t>eigenvalues</a:t>
-            </a:r>
-            <a:r>
-              <a:rPr lang="fr-FR" dirty="0" smtClean="0"/>
-              <a:t>/</a:t>
-            </a:r>
-            <a:r>
-              <a:rPr lang="fr-FR" dirty="0" err="1" smtClean="0"/>
-              <a:t>eigenvectors</a:t>
-            </a:r>
-            <a:r>
-              <a:rPr lang="fr-FR" dirty="0" smtClean="0"/>
-              <a:t> </a:t>
-            </a:r>
+              <a:t>(x) donne 2</a:t>
+            </a:r>
+          </a:p>
+          <a:p>
             <a:r>
               <a:rPr lang="fr-FR" dirty="0"/>
-              <a:t>of matrix </a:t>
-            </a:r>
-            <a:endParaRPr lang="fr-FR" dirty="0" smtClean="0"/>
-          </a:p>
-          <a:p>
-            <a:pPr lvl="1"/>
-            <a:r>
-              <a:rPr lang="en-US" dirty="0"/>
-              <a:t>j = </a:t>
-            </a:r>
-            <a:r>
-              <a:rPr lang="en-US" dirty="0" err="1" smtClean="0"/>
-              <a:t>np.array</a:t>
-            </a:r>
-            <a:r>
-              <a:rPr lang="en-US" dirty="0"/>
-              <a:t>([[0.0, -1.0], [1.0, 0.0]]) </a:t>
-            </a:r>
-            <a:endParaRPr lang="en-US" dirty="0" smtClean="0"/>
-          </a:p>
-          <a:p>
-            <a:pPr lvl="1"/>
-            <a:r>
-              <a:rPr lang="en-US" dirty="0"/>
-              <a:t>np. </a:t>
-            </a:r>
-            <a:r>
-              <a:rPr lang="en-US" dirty="0" err="1"/>
-              <a:t>eig</a:t>
-            </a:r>
-            <a:r>
-              <a:rPr lang="en-US" dirty="0"/>
-              <a:t>(j</a:t>
-            </a:r>
-            <a:r>
-              <a:rPr lang="en-US" dirty="0" smtClean="0"/>
-              <a:t>)</a:t>
-            </a:r>
-          </a:p>
-          <a:p>
-            <a:pPr lvl="1"/>
-            <a:r>
-              <a:rPr lang="en-US" dirty="0"/>
-              <a:t>(array([ 0.+1.j, 0.-1.j]), </a:t>
-            </a:r>
-            <a:br>
-              <a:rPr lang="en-US" dirty="0"/>
-            </a:br>
-            <a:r>
-              <a:rPr lang="en-US" dirty="0"/>
-              <a:t> array([[ 0.70710678+0.j, 0.70710678+0.j], </a:t>
-            </a:r>
-            <a:br>
-              <a:rPr lang="en-US" dirty="0"/>
-            </a:br>
-            <a:r>
-              <a:rPr lang="en-US" dirty="0"/>
-              <a:t>        [ 0.00000000-0.70710678j, 0.00000000+0.70710678j]])) </a:t>
-            </a:r>
-            <a:br>
-              <a:rPr lang="en-US" dirty="0"/>
-            </a:br>
+              <a:t>* et + ont été surchargés</a:t>
+            </a:r>
+          </a:p>
+          <a:p>
             <a:endParaRPr lang="fr-FR" dirty="0"/>
           </a:p>
         </p:txBody>
@@ -4089,7 +3970,7 @@
     </p:spTree>
     <p:extLst>
       <p:ext uri="{BB962C8B-B14F-4D97-AF65-F5344CB8AC3E}">
-        <p14:creationId xmlns:p14="http://schemas.microsoft.com/office/powerpoint/2010/main" val="3202361860"/>
+        <p14:creationId xmlns:p14="http://schemas.microsoft.com/office/powerpoint/2010/main" val="590707514"/>
       </p:ext>
     </p:extLst>
   </p:cSld>
@@ -4133,20 +4014,189 @@
           <a:p>
             <a:r>
               <a:rPr lang="fr-FR" dirty="0"/>
-              <a:t>Transformation de </a:t>
-            </a:r>
-            <a:r>
-              <a:rPr lang="fr-FR" dirty="0" smtClean="0"/>
-              <a:t>Fourier</a:t>
+              <a:t>Les nombres complexes</a:t>
+            </a:r>
+          </a:p>
+        </p:txBody>
+      </p:sp>
+      <p:sp>
+        <p:nvSpPr>
+          <p:cNvPr id="3" name="Espace réservé du contenu 2"/>
+          <p:cNvSpPr>
+            <a:spLocks noGrp="1"/>
+          </p:cNvSpPr>
+          <p:nvPr>
+            <p:ph idx="1"/>
+          </p:nvPr>
+        </p:nvSpPr>
+        <p:spPr/>
+        <p:txBody>
+          <a:bodyPr/>
+          <a:lstStyle/>
+          <a:p>
+            <a:r>
+              <a:rPr lang="fr-FR" dirty="0"/>
+              <a:t>Exemple</a:t>
+            </a:r>
+          </a:p>
+          <a:p>
+            <a:pPr lvl="1"/>
+            <a:r>
+              <a:rPr lang="fr-FR" dirty="0"/>
+              <a:t>x = </a:t>
+            </a:r>
+            <a:r>
+              <a:rPr lang="fr-FR" dirty="0" err="1"/>
+              <a:t>np.array</a:t>
+            </a:r>
+            <a:r>
+              <a:rPr lang="fr-FR" dirty="0"/>
+              <a:t>([[ 1.+0.j, 2.+0.j], [ 0.+0.j, 0.+0.j], [ 1.+1.j, 3.+0.j]]) </a:t>
+            </a:r>
+          </a:p>
+          <a:p>
+            <a:r>
+              <a:rPr lang="fr-FR" dirty="0" err="1"/>
+              <a:t>Np.eig</a:t>
+            </a:r>
+            <a:endParaRPr lang="fr-FR" dirty="0"/>
+          </a:p>
+          <a:p>
+            <a:pPr lvl="1"/>
+            <a:r>
+              <a:rPr lang="fr-FR" dirty="0"/>
+              <a:t># </a:t>
+            </a:r>
+            <a:r>
+              <a:rPr lang="fr-FR" dirty="0" err="1"/>
+              <a:t>eigenvalues</a:t>
+            </a:r>
+            <a:r>
+              <a:rPr lang="fr-FR" dirty="0"/>
+              <a:t>/</a:t>
+            </a:r>
+            <a:r>
+              <a:rPr lang="fr-FR" dirty="0" err="1"/>
+              <a:t>eigenvectors</a:t>
+            </a:r>
+            <a:r>
+              <a:rPr lang="fr-FR" dirty="0"/>
+              <a:t> of matrix </a:t>
+            </a:r>
+          </a:p>
+          <a:p>
+            <a:pPr lvl="1"/>
+            <a:r>
+              <a:rPr lang="en-US" dirty="0"/>
+              <a:t>j = </a:t>
+            </a:r>
+            <a:r>
+              <a:rPr lang="en-US" dirty="0" err="1"/>
+              <a:t>np.array</a:t>
+            </a:r>
+            <a:r>
+              <a:rPr lang="en-US" dirty="0"/>
+              <a:t>([[0.0, -1.0], [1.0, 0.0]]) </a:t>
+            </a:r>
+          </a:p>
+          <a:p>
+            <a:pPr lvl="1"/>
+            <a:r>
+              <a:rPr lang="en-US" dirty="0"/>
+              <a:t>np. </a:t>
+            </a:r>
+            <a:r>
+              <a:rPr lang="en-US" dirty="0" err="1"/>
+              <a:t>eig</a:t>
+            </a:r>
+            <a:r>
+              <a:rPr lang="en-US" dirty="0"/>
+              <a:t>(j)</a:t>
+            </a:r>
+          </a:p>
+          <a:p>
+            <a:pPr lvl="1"/>
+            <a:r>
+              <a:rPr lang="en-US" dirty="0"/>
+              <a:t>(array([ 0.+1.j, 0.-1.j]), </a:t>
             </a:r>
             <a:br>
-              <a:rPr lang="fr-FR" dirty="0" smtClean="0"/>
+              <a:rPr lang="en-US" dirty="0"/>
             </a:br>
             <a:r>
-              <a:rPr lang="fr-FR" dirty="0" smtClean="0"/>
+              <a:rPr lang="en-US" dirty="0"/>
+              <a:t> array([[ 0.70710678+0.j, 0.70710678+0.j], </a:t>
+            </a:r>
+            <a:br>
+              <a:rPr lang="en-US" dirty="0"/>
+            </a:br>
+            <a:r>
+              <a:rPr lang="en-US" dirty="0"/>
+              <a:t>        [ 0.00000000-0.70710678j, 0.00000000+0.70710678j]])) </a:t>
+            </a:r>
+            <a:br>
+              <a:rPr lang="en-US" dirty="0"/>
+            </a:br>
+            <a:endParaRPr lang="fr-FR" dirty="0"/>
+          </a:p>
+        </p:txBody>
+      </p:sp>
+    </p:spTree>
+    <p:extLst>
+      <p:ext uri="{BB962C8B-B14F-4D97-AF65-F5344CB8AC3E}">
+        <p14:creationId xmlns:p14="http://schemas.microsoft.com/office/powerpoint/2010/main" val="3202361860"/>
+      </p:ext>
+    </p:extLst>
+  </p:cSld>
+  <p:clrMapOvr>
+    <a:masterClrMapping/>
+  </p:clrMapOvr>
+</p:sld>
+</file>
+
+<file path=ppt/slides/slide5.xml><?xml version="1.0" encoding="utf-8"?>
+<p:sld xmlns:a="http://schemas.openxmlformats.org/drawingml/2006/main" xmlns:r="http://schemas.openxmlformats.org/officeDocument/2006/relationships" xmlns:p="http://schemas.openxmlformats.org/presentationml/2006/main">
+  <p:cSld>
+    <p:spTree>
+      <p:nvGrpSpPr>
+        <p:cNvPr id="1" name=""/>
+        <p:cNvGrpSpPr/>
+        <p:nvPr/>
+      </p:nvGrpSpPr>
+      <p:grpSpPr>
+        <a:xfrm>
+          <a:off x="0" y="0"/>
+          <a:ext cx="0" cy="0"/>
+          <a:chOff x="0" y="0"/>
+          <a:chExt cx="0" cy="0"/>
+        </a:xfrm>
+      </p:grpSpPr>
+      <p:sp>
+        <p:nvSpPr>
+          <p:cNvPr id="2" name="Titre 1"/>
+          <p:cNvSpPr>
+            <a:spLocks noGrp="1"/>
+          </p:cNvSpPr>
+          <p:nvPr>
+            <p:ph type="title"/>
+          </p:nvPr>
+        </p:nvSpPr>
+        <p:spPr/>
+        <p:txBody>
+          <a:bodyPr/>
+          <a:lstStyle/>
+          <a:p>
+            <a:r>
+              <a:rPr lang="fr-FR" dirty="0"/>
+              <a:t>Transformation de Fourier</a:t>
+            </a:r>
+            <a:br>
+              <a:rPr lang="fr-FR" dirty="0"/>
+            </a:br>
+            <a:r>
+              <a:rPr lang="fr-FR" dirty="0"/>
               <a:t>Exemple simple</a:t>
             </a:r>
-            <a:endParaRPr lang="fr-FR" dirty="0"/>
           </a:p>
         </p:txBody>
       </p:sp>
@@ -4224,59 +4274,35 @@
           <a:p>
             <a:r>
               <a:rPr lang="fr-FR" sz="1600" dirty="0"/>
-              <a:t>La Transformée de Fourier </a:t>
-            </a:r>
-            <a:r>
-              <a:rPr lang="fr-FR" sz="1600" dirty="0" smtClean="0"/>
-              <a:t>Rapide (</a:t>
-            </a:r>
-            <a:r>
-              <a:rPr lang="fr-FR" sz="1600" b="1" dirty="0" smtClean="0"/>
+              <a:t>La Transformée de Fourier Rapide (</a:t>
+            </a:r>
+            <a:r>
+              <a:rPr lang="fr-FR" sz="1600" b="1" dirty="0"/>
               <a:t>FFT)</a:t>
             </a:r>
             <a:r>
-              <a:rPr lang="fr-FR" sz="1600" dirty="0" smtClean="0"/>
-              <a:t> </a:t>
-            </a:r>
-            <a:r>
               <a:rPr lang="fr-FR" sz="1600" dirty="0"/>
-              <a:t>est un </a:t>
-            </a:r>
-            <a:r>
-              <a:rPr lang="fr-FR" sz="1600" dirty="0" err="1" smtClean="0"/>
+              <a:t> est un </a:t>
+            </a:r>
+            <a:r>
+              <a:rPr lang="fr-FR" sz="1600" dirty="0" err="1"/>
               <a:t>algo</a:t>
             </a:r>
-            <a:endParaRPr lang="fr-FR" sz="1600" dirty="0" smtClean="0"/>
-          </a:p>
-          <a:p>
-            <a:r>
-              <a:rPr lang="fr-FR" sz="1600" dirty="0" smtClean="0"/>
-              <a:t>qui </a:t>
-            </a:r>
+            <a:endParaRPr lang="fr-FR" sz="1600" dirty="0"/>
+          </a:p>
+          <a:p>
             <a:r>
               <a:rPr lang="fr-FR" sz="1600" dirty="0"/>
-              <a:t>permet de calculer des Transformées de </a:t>
-            </a:r>
-            <a:r>
-              <a:rPr lang="fr-FR" sz="1600" dirty="0" smtClean="0"/>
-              <a:t>Fourier</a:t>
-            </a:r>
-          </a:p>
-          <a:p>
-            <a:r>
-              <a:rPr lang="fr-FR" sz="1600" dirty="0" smtClean="0"/>
-              <a:t>Discrètes</a:t>
-            </a:r>
+              <a:t>qui permet de calculer des Transformées de Fourier</a:t>
+            </a:r>
+          </a:p>
+          <a:p>
             <a:r>
               <a:rPr lang="fr-FR" sz="1600" dirty="0"/>
-              <a:t> </a:t>
-            </a:r>
-            <a:r>
-              <a:rPr lang="fr-FR" sz="1600" dirty="0" smtClean="0"/>
-              <a:t>(</a:t>
-            </a:r>
-            <a:r>
-              <a:rPr lang="fr-FR" sz="1600" b="1" dirty="0" smtClean="0"/>
+              <a:t>Discrètes (</a:t>
+            </a:r>
+            <a:r>
+              <a:rPr lang="fr-FR" sz="1600" b="1" dirty="0"/>
               <a:t>DFT)</a:t>
             </a:r>
           </a:p>
@@ -4292,13 +4318,6 @@
   <p:clrMapOvr>
     <a:masterClrMapping/>
   </p:clrMapOvr>
-  <p:timing>
-    <p:tnLst>
-      <p:par>
-        <p:cTn id="1" dur="indefinite" restart="never" nodeType="tmRoot"/>
-      </p:par>
-    </p:tnLst>
-  </p:timing>
 </p:sld>
 </file>
 

--- a/ppt/PythonMath08-FFT.pptx
+++ b/ppt/PythonMath08-FFT.pptx
@@ -3839,7 +3839,7 @@
           <a:p>
             <a:r>
               <a:rPr lang="fr-FR" dirty="0"/>
-              <a:t>np.inf et –nb.inf</a:t>
+              <a:t>np.inf et –np.inf</a:t>
             </a:r>
           </a:p>
           <a:p>
@@ -3851,10 +3851,9 @@
           </a:p>
           <a:p>
             <a:r>
-              <a:rPr lang="fr-FR"/>
+              <a:rPr lang="fr-FR" dirty="0"/>
               <a:t>j</a:t>
             </a:r>
-            <a:endParaRPr lang="fr-FR" dirty="0"/>
           </a:p>
         </p:txBody>
       </p:sp>

--- a/ppt/PythonMath08-FFT.pptx
+++ b/ppt/PythonMath08-FFT.pptx
@@ -3839,7 +3839,7 @@
           <a:p>
             <a:r>
               <a:rPr lang="fr-FR" dirty="0"/>
-              <a:t>np.inf et –np.inf</a:t>
+              <a:t>np.inf</a:t>
             </a:r>
           </a:p>
           <a:p>
@@ -3932,7 +3932,7 @@
           <a:p>
             <a:r>
               <a:rPr lang="fr-FR" dirty="0"/>
-              <a:t>x = 2j + 3</a:t>
+              <a:t>x = 3 + 2j</a:t>
             </a:r>
           </a:p>
           <a:p>
